--- a/2024 2DGP 1차발표 2021182012 민지용.pptx
+++ b/2024 2DGP 1차발표 2021182012 민지용.pptx
@@ -5,16 +5,17 @@
     <p:sldMasterId id="2147483660" r:id="rId1"/>
   </p:sldMasterIdLst>
   <p:notesMasterIdLst>
-    <p:notesMasterId r:id="rId9"/>
+    <p:notesMasterId r:id="rId10"/>
   </p:notesMasterIdLst>
   <p:sldIdLst>
     <p:sldId id="263" r:id="rId2"/>
     <p:sldId id="274" r:id="rId3"/>
     <p:sldId id="262" r:id="rId4"/>
     <p:sldId id="285" r:id="rId5"/>
-    <p:sldId id="275" r:id="rId6"/>
-    <p:sldId id="284" r:id="rId7"/>
-    <p:sldId id="265" r:id="rId8"/>
+    <p:sldId id="286" r:id="rId6"/>
+    <p:sldId id="275" r:id="rId7"/>
+    <p:sldId id="284" r:id="rId8"/>
+    <p:sldId id="265" r:id="rId9"/>
   </p:sldIdLst>
   <p:sldSz cx="12192000" cy="6858000"/>
   <p:notesSz cx="6858000" cy="9144000"/>
@@ -545,6 +546,90 @@
     <p:extLst>
       <p:ext uri="{BB962C8B-B14F-4D97-AF65-F5344CB8AC3E}">
         <p14:creationId xmlns:p14="http://schemas.microsoft.com/office/powerpoint/2010/main" val="797314437"/>
+      </p:ext>
+    </p:extLst>
+  </p:cSld>
+  <p:clrMapOvr>
+    <a:masterClrMapping/>
+  </p:clrMapOvr>
+</p:notes>
+</file>
+
+<file path=ppt/notesSlides/notesSlide2.xml><?xml version="1.0" encoding="utf-8"?>
+<p:notes xmlns:a="http://schemas.openxmlformats.org/drawingml/2006/main" xmlns:r="http://schemas.openxmlformats.org/officeDocument/2006/relationships" xmlns:p="http://schemas.openxmlformats.org/presentationml/2006/main">
+  <p:cSld>
+    <p:spTree>
+      <p:nvGrpSpPr>
+        <p:cNvPr id="1" name=""/>
+        <p:cNvGrpSpPr/>
+        <p:nvPr/>
+      </p:nvGrpSpPr>
+      <p:grpSpPr>
+        <a:xfrm>
+          <a:off x="0" y="0"/>
+          <a:ext cx="0" cy="0"/>
+          <a:chOff x="0" y="0"/>
+          <a:chExt cx="0" cy="0"/>
+        </a:xfrm>
+      </p:grpSpPr>
+      <p:sp>
+        <p:nvSpPr>
+          <p:cNvPr id="2" name="슬라이드 이미지 개체 틀 1"/>
+          <p:cNvSpPr>
+            <a:spLocks noGrp="1" noRot="1" noChangeAspect="1"/>
+          </p:cNvSpPr>
+          <p:nvPr>
+            <p:ph type="sldImg"/>
+          </p:nvPr>
+        </p:nvSpPr>
+        <p:spPr/>
+      </p:sp>
+      <p:sp>
+        <p:nvSpPr>
+          <p:cNvPr id="3" name="슬라이드 노트 개체 틀 2"/>
+          <p:cNvSpPr>
+            <a:spLocks noGrp="1"/>
+          </p:cNvSpPr>
+          <p:nvPr>
+            <p:ph type="body" idx="1"/>
+          </p:nvPr>
+        </p:nvSpPr>
+        <p:spPr/>
+        <p:txBody>
+          <a:bodyPr/>
+          <a:lstStyle/>
+          <a:p>
+            <a:endParaRPr lang="ko-KR" altLang="en-US" dirty="0"/>
+          </a:p>
+        </p:txBody>
+      </p:sp>
+      <p:sp>
+        <p:nvSpPr>
+          <p:cNvPr id="4" name="슬라이드 번호 개체 틀 3"/>
+          <p:cNvSpPr>
+            <a:spLocks noGrp="1"/>
+          </p:cNvSpPr>
+          <p:nvPr>
+            <p:ph type="sldNum" sz="quarter" idx="5"/>
+          </p:nvPr>
+        </p:nvSpPr>
+        <p:spPr/>
+        <p:txBody>
+          <a:bodyPr/>
+          <a:lstStyle/>
+          <a:p>
+            <a:fld id="{D0D56FD3-8089-4FF2-907E-DFF88DF0631A}" type="slidenum">
+              <a:rPr lang="ko-KR" altLang="en-US" smtClean="0"/>
+              <a:t>5</a:t>
+            </a:fld>
+            <a:endParaRPr lang="ko-KR" altLang="en-US"/>
+          </a:p>
+        </p:txBody>
+      </p:sp>
+    </p:spTree>
+    <p:extLst>
+      <p:ext uri="{BB962C8B-B14F-4D97-AF65-F5344CB8AC3E}">
+        <p14:creationId xmlns:p14="http://schemas.microsoft.com/office/powerpoint/2010/main" val="2318359227"/>
       </p:ext>
     </p:extLst>
   </p:cSld>
@@ -8287,7 +8372,7 @@
                 <a:latin typeface="나눔바른펜" panose="020B0503000000000000" pitchFamily="50" charset="-127"/>
                 <a:ea typeface="나눔바른펜" panose="020B0503000000000000" pitchFamily="50" charset="-127"/>
               </a:rPr>
-              <a:t>밀려오는 적을 전부 처치해 상대의 타워를 부숴야 하는 게임임</a:t>
+              <a:t>밀려오는 적을 전부 처치해 상대의 타워를 부수면 승리하는 게임임</a:t>
             </a:r>
             <a:r>
               <a:rPr kumimoji="0" lang="en-US" altLang="ko-KR" sz="2200" b="0" i="0" u="none" strike="noStrike" kern="1200" cap="none" spc="0" normalizeH="0" baseline="0" noProof="0" dirty="0">
@@ -8336,7 +8421,7 @@
         <p:spPr>
           <a:xfrm>
             <a:off x="949789" y="789503"/>
-            <a:ext cx="1664238" cy="461665"/>
+            <a:ext cx="3151825" cy="461665"/>
           </a:xfrm>
           <a:prstGeom prst="rect">
             <a:avLst/>
@@ -8383,7 +8468,45 @@
                 <a:latin typeface="나눔스퀘어 ExtraBold" panose="020B0600000101010101" pitchFamily="50" charset="-127"/>
                 <a:ea typeface="나눔스퀘어 ExtraBold" panose="020B0600000101010101" pitchFamily="50" charset="-127"/>
               </a:rPr>
-              <a:t>게임 플레이</a:t>
+              <a:t>게임 플레이 </a:t>
+            </a:r>
+            <a:r>
+              <a:rPr kumimoji="0" lang="en-US" altLang="ko-KR" sz="2400" b="1" i="0" u="none" strike="noStrike" kern="1200" cap="none" spc="0" normalizeH="0" baseline="0" noProof="0" dirty="0">
+                <a:ln>
+                  <a:noFill/>
+                </a:ln>
+                <a:solidFill>
+                  <a:prstClr val="black">
+                    <a:lumMod val="75000"/>
+                    <a:lumOff val="25000"/>
+                  </a:prstClr>
+                </a:solidFill>
+                <a:effectLst/>
+                <a:uLnTx/>
+                <a:uFillTx/>
+                <a:latin typeface="나눔스퀘어 ExtraBold" panose="020B0600000101010101" pitchFamily="50" charset="-127"/>
+                <a:ea typeface="나눔스퀘어 ExtraBold" panose="020B0600000101010101" pitchFamily="50" charset="-127"/>
+              </a:rPr>
+              <a:t>– </a:t>
+            </a:r>
+            <a:r>
+              <a:rPr kumimoji="0" lang="ko-KR" altLang="en-US" sz="2400" b="1" i="0" u="none" strike="noStrike" kern="1200" cap="none" spc="0" normalizeH="0" baseline="0" noProof="0" dirty="0">
+                <a:ln>
+                  <a:noFill/>
+                </a:ln>
+                <a:solidFill>
+                  <a:prstClr val="black">
+                    <a:lumMod val="75000"/>
+                    <a:lumOff val="25000"/>
+                  </a:prstClr>
+                </a:solidFill>
+                <a:effectLst/>
+                <a:uLnTx/>
+                <a:uFillTx/>
+                <a:latin typeface="나눔스퀘어 ExtraBold" panose="020B0600000101010101" pitchFamily="50" charset="-127"/>
+                <a:ea typeface="나눔스퀘어 ExtraBold" panose="020B0600000101010101" pitchFamily="50" charset="-127"/>
+              </a:rPr>
+              <a:t>원시 시대</a:t>
             </a:r>
           </a:p>
         </p:txBody>
@@ -8620,6 +8743,1321 @@
     <p:extLst>
       <p:ext uri="{BB962C8B-B14F-4D97-AF65-F5344CB8AC3E}">
         <p14:creationId xmlns:p14="http://schemas.microsoft.com/office/powerpoint/2010/main" val="3529051309"/>
+      </p:ext>
+    </p:extLst>
+  </p:cSld>
+  <p:clrMapOvr>
+    <a:masterClrMapping/>
+  </p:clrMapOvr>
+  <mc:AlternateContent xmlns:mc="http://schemas.openxmlformats.org/markup-compatibility/2006" xmlns:p14="http://schemas.microsoft.com/office/powerpoint/2010/main">
+    <mc:Choice Requires="p14">
+      <p:transition spd="med" p14:dur="700">
+        <p:fade/>
+      </p:transition>
+    </mc:Choice>
+    <mc:Fallback xmlns="">
+      <p:transition spd="med">
+        <p:fade/>
+      </p:transition>
+    </mc:Fallback>
+  </mc:AlternateContent>
+</p:sld>
+</file>
+
+<file path=ppt/slides/slide5.xml><?xml version="1.0" encoding="utf-8"?>
+<p:sld xmlns:a="http://schemas.openxmlformats.org/drawingml/2006/main" xmlns:r="http://schemas.openxmlformats.org/officeDocument/2006/relationships" xmlns:p="http://schemas.openxmlformats.org/presentationml/2006/main">
+  <p:cSld>
+    <p:spTree>
+      <p:nvGrpSpPr>
+        <p:cNvPr id="1" name="">
+          <a:extLst>
+            <a:ext uri="{FF2B5EF4-FFF2-40B4-BE49-F238E27FC236}">
+              <a16:creationId xmlns:a16="http://schemas.microsoft.com/office/drawing/2014/main" id="{767839E6-9308-0423-F181-CB056691A18C}"/>
+            </a:ext>
+          </a:extLst>
+        </p:cNvPr>
+        <p:cNvGrpSpPr/>
+        <p:nvPr/>
+      </p:nvGrpSpPr>
+      <p:grpSpPr>
+        <a:xfrm>
+          <a:off x="0" y="0"/>
+          <a:ext cx="0" cy="0"/>
+          <a:chOff x="0" y="0"/>
+          <a:chExt cx="0" cy="0"/>
+        </a:xfrm>
+      </p:grpSpPr>
+      <p:sp>
+        <p:nvSpPr>
+          <p:cNvPr id="4" name="양쪽 대괄호 3">
+            <a:extLst>
+              <a:ext uri="{FF2B5EF4-FFF2-40B4-BE49-F238E27FC236}">
+                <a16:creationId xmlns:a16="http://schemas.microsoft.com/office/drawing/2014/main" id="{E7D09B29-58A2-7942-F875-82E1CD7DA8EC}"/>
+              </a:ext>
+            </a:extLst>
+          </p:cNvPr>
+          <p:cNvSpPr/>
+          <p:nvPr/>
+        </p:nvSpPr>
+        <p:spPr>
+          <a:xfrm>
+            <a:off x="558800" y="2628900"/>
+            <a:ext cx="11087100" cy="2221880"/>
+          </a:xfrm>
+          <a:prstGeom prst="bracketPair">
+            <a:avLst>
+              <a:gd name="adj" fmla="val 12699"/>
+            </a:avLst>
+          </a:prstGeom>
+          <a:ln>
+            <a:solidFill>
+              <a:schemeClr val="bg1"/>
+            </a:solidFill>
+          </a:ln>
+        </p:spPr>
+        <p:style>
+          <a:lnRef idx="1">
+            <a:schemeClr val="accent1"/>
+          </a:lnRef>
+          <a:fillRef idx="0">
+            <a:schemeClr val="accent1"/>
+          </a:fillRef>
+          <a:effectRef idx="0">
+            <a:schemeClr val="accent1"/>
+          </a:effectRef>
+          <a:fontRef idx="minor">
+            <a:schemeClr val="tx1"/>
+          </a:fontRef>
+        </p:style>
+        <p:txBody>
+          <a:bodyPr rtlCol="0" anchor="ctr"/>
+          <a:lstStyle/>
+          <a:p>
+            <a:pPr algn="ctr"/>
+            <a:endParaRPr lang="ko-KR" altLang="en-US"/>
+          </a:p>
+        </p:txBody>
+      </p:sp>
+      <p:sp>
+        <p:nvSpPr>
+          <p:cNvPr id="7" name="TextBox 6">
+            <a:extLst>
+              <a:ext uri="{FF2B5EF4-FFF2-40B4-BE49-F238E27FC236}">
+                <a16:creationId xmlns:a16="http://schemas.microsoft.com/office/drawing/2014/main" id="{CD7A739E-A9A3-E078-92A0-ACBA466BFDA2}"/>
+              </a:ext>
+            </a:extLst>
+          </p:cNvPr>
+          <p:cNvSpPr txBox="1"/>
+          <p:nvPr/>
+        </p:nvSpPr>
+        <p:spPr>
+          <a:xfrm>
+            <a:off x="9998245" y="6578779"/>
+            <a:ext cx="2194833" cy="230832"/>
+          </a:xfrm>
+          <a:prstGeom prst="rect">
+            <a:avLst/>
+          </a:prstGeom>
+          <a:noFill/>
+        </p:spPr>
+        <p:txBody>
+          <a:bodyPr wrap="none" rtlCol="0">
+            <a:spAutoFit/>
+          </a:bodyPr>
+          <a:lstStyle/>
+          <a:p>
+            <a:pPr algn="r"/>
+            <a:r>
+              <a:rPr lang="en-US" altLang="ko-KR" sz="900" dirty="0">
+                <a:solidFill>
+                  <a:schemeClr val="bg1"/>
+                </a:solidFill>
+                <a:latin typeface="Arial" panose="020B0604020202020204" pitchFamily="34" charset="0"/>
+                <a:cs typeface="Arial" panose="020B0604020202020204" pitchFamily="34" charset="0"/>
+              </a:rPr>
+              <a:t>ⓒSaebyeol Yu.</a:t>
+            </a:r>
+            <a:r>
+              <a:rPr lang="ko-KR" altLang="en-US" sz="900" dirty="0">
+                <a:solidFill>
+                  <a:schemeClr val="bg1"/>
+                </a:solidFill>
+                <a:latin typeface="Arial" panose="020B0604020202020204" pitchFamily="34" charset="0"/>
+                <a:cs typeface="Arial" panose="020B0604020202020204" pitchFamily="34" charset="0"/>
+              </a:rPr>
+              <a:t> </a:t>
+            </a:r>
+            <a:r>
+              <a:rPr lang="en-US" altLang="ko-KR" sz="900" dirty="0" err="1">
+                <a:solidFill>
+                  <a:schemeClr val="bg1"/>
+                </a:solidFill>
+                <a:latin typeface="Arial" panose="020B0604020202020204" pitchFamily="34" charset="0"/>
+                <a:cs typeface="Arial" panose="020B0604020202020204" pitchFamily="34" charset="0"/>
+              </a:rPr>
+              <a:t>Saebyeol’s</a:t>
+            </a:r>
+            <a:r>
+              <a:rPr lang="ko-KR" altLang="en-US" sz="900" dirty="0">
+                <a:solidFill>
+                  <a:schemeClr val="bg1"/>
+                </a:solidFill>
+                <a:latin typeface="Arial" panose="020B0604020202020204" pitchFamily="34" charset="0"/>
+                <a:cs typeface="Arial" panose="020B0604020202020204" pitchFamily="34" charset="0"/>
+              </a:rPr>
+              <a:t> </a:t>
+            </a:r>
+            <a:r>
+              <a:rPr lang="en-US" altLang="ko-KR" sz="900" dirty="0">
+                <a:solidFill>
+                  <a:schemeClr val="bg1"/>
+                </a:solidFill>
+                <a:latin typeface="Arial" panose="020B0604020202020204" pitchFamily="34" charset="0"/>
+                <a:cs typeface="Arial" panose="020B0604020202020204" pitchFamily="34" charset="0"/>
+              </a:rPr>
+              <a:t>PowerPoint</a:t>
+            </a:r>
+            <a:endParaRPr lang="ko-KR" altLang="en-US" sz="900" dirty="0">
+              <a:solidFill>
+                <a:schemeClr val="bg1"/>
+              </a:solidFill>
+              <a:latin typeface="Arial" panose="020B0604020202020204" pitchFamily="34" charset="0"/>
+              <a:cs typeface="Arial" panose="020B0604020202020204" pitchFamily="34" charset="0"/>
+            </a:endParaRPr>
+          </a:p>
+        </p:txBody>
+      </p:sp>
+      <p:sp>
+        <p:nvSpPr>
+          <p:cNvPr id="11" name="직사각형 10">
+            <a:extLst>
+              <a:ext uri="{FF2B5EF4-FFF2-40B4-BE49-F238E27FC236}">
+                <a16:creationId xmlns:a16="http://schemas.microsoft.com/office/drawing/2014/main" id="{0F1385D4-2096-170F-37D3-A8A4C3554175}"/>
+              </a:ext>
+            </a:extLst>
+          </p:cNvPr>
+          <p:cNvSpPr>
+            <a:spLocks/>
+          </p:cNvSpPr>
+          <p:nvPr/>
+        </p:nvSpPr>
+        <p:spPr>
+          <a:xfrm>
+            <a:off x="706170" y="602166"/>
+            <a:ext cx="10868796" cy="5664819"/>
+          </a:xfrm>
+          <a:prstGeom prst="rect">
+            <a:avLst/>
+          </a:prstGeom>
+          <a:pattFill prst="dotGrid">
+            <a:fgClr>
+              <a:schemeClr val="accent1">
+                <a:lumMod val="40000"/>
+                <a:lumOff val="60000"/>
+              </a:schemeClr>
+            </a:fgClr>
+            <a:bgClr>
+              <a:schemeClr val="bg1"/>
+            </a:bgClr>
+          </a:pattFill>
+          <a:ln>
+            <a:noFill/>
+          </a:ln>
+        </p:spPr>
+        <p:style>
+          <a:lnRef idx="2">
+            <a:schemeClr val="accent1">
+              <a:shade val="50000"/>
+            </a:schemeClr>
+          </a:lnRef>
+          <a:fillRef idx="1">
+            <a:schemeClr val="accent1"/>
+          </a:fillRef>
+          <a:effectRef idx="0">
+            <a:schemeClr val="accent1"/>
+          </a:effectRef>
+          <a:fontRef idx="minor">
+            <a:schemeClr val="lt1"/>
+          </a:fontRef>
+        </p:style>
+        <p:txBody>
+          <a:bodyPr rtlCol="0" anchor="ctr"/>
+          <a:lstStyle/>
+          <a:p>
+            <a:pPr marL="0" marR="0" lvl="0" indent="0" algn="ctr" defTabSz="914400" rtl="0" eaLnBrk="1" fontAlgn="auto" latinLnBrk="1" hangingPunct="1">
+              <a:lnSpc>
+                <a:spcPct val="100000"/>
+              </a:lnSpc>
+              <a:spcBef>
+                <a:spcPts val="0"/>
+              </a:spcBef>
+              <a:spcAft>
+                <a:spcPts val="0"/>
+              </a:spcAft>
+              <a:buClrTx/>
+              <a:buSzTx/>
+              <a:buFontTx/>
+              <a:buNone/>
+              <a:tabLst/>
+              <a:defRPr/>
+            </a:pPr>
+            <a:endParaRPr kumimoji="0" lang="ko-KR" altLang="en-US" sz="1800" b="0" i="0" u="none" strike="noStrike" kern="1200" cap="none" spc="0" normalizeH="0" baseline="0" noProof="0">
+              <a:ln>
+                <a:noFill/>
+              </a:ln>
+              <a:solidFill>
+                <a:prstClr val="white"/>
+              </a:solidFill>
+              <a:effectLst/>
+              <a:uLnTx/>
+              <a:uFillTx/>
+              <a:latin typeface="LINE Seed Sans KR Thin"/>
+              <a:cs typeface="+mn-cs"/>
+            </a:endParaRPr>
+          </a:p>
+        </p:txBody>
+      </p:sp>
+      <p:sp>
+        <p:nvSpPr>
+          <p:cNvPr id="12" name="직사각형 11">
+            <a:extLst>
+              <a:ext uri="{FF2B5EF4-FFF2-40B4-BE49-F238E27FC236}">
+                <a16:creationId xmlns:a16="http://schemas.microsoft.com/office/drawing/2014/main" id="{1BCE1E12-C202-DE98-9845-9E4116FBC823}"/>
+              </a:ext>
+            </a:extLst>
+          </p:cNvPr>
+          <p:cNvSpPr/>
+          <p:nvPr/>
+        </p:nvSpPr>
+        <p:spPr>
+          <a:xfrm>
+            <a:off x="706170" y="602166"/>
+            <a:ext cx="10868796" cy="836341"/>
+          </a:xfrm>
+          <a:prstGeom prst="rect">
+            <a:avLst/>
+          </a:prstGeom>
+          <a:solidFill>
+            <a:schemeClr val="accent4"/>
+          </a:solidFill>
+          <a:ln>
+            <a:noFill/>
+          </a:ln>
+        </p:spPr>
+        <p:style>
+          <a:lnRef idx="2">
+            <a:schemeClr val="accent1">
+              <a:shade val="50000"/>
+            </a:schemeClr>
+          </a:lnRef>
+          <a:fillRef idx="1">
+            <a:schemeClr val="accent1"/>
+          </a:fillRef>
+          <a:effectRef idx="0">
+            <a:schemeClr val="accent1"/>
+          </a:effectRef>
+          <a:fontRef idx="minor">
+            <a:schemeClr val="lt1"/>
+          </a:fontRef>
+        </p:style>
+        <p:txBody>
+          <a:bodyPr rtlCol="0" anchor="ctr"/>
+          <a:lstStyle/>
+          <a:p>
+            <a:pPr marL="0" marR="0" lvl="0" indent="0" algn="ctr" defTabSz="914400" rtl="0" eaLnBrk="1" fontAlgn="auto" latinLnBrk="1" hangingPunct="1">
+              <a:lnSpc>
+                <a:spcPct val="100000"/>
+              </a:lnSpc>
+              <a:spcBef>
+                <a:spcPts val="0"/>
+              </a:spcBef>
+              <a:spcAft>
+                <a:spcPts val="0"/>
+              </a:spcAft>
+              <a:buClrTx/>
+              <a:buSzTx/>
+              <a:buFontTx/>
+              <a:buNone/>
+              <a:tabLst/>
+              <a:defRPr/>
+            </a:pPr>
+            <a:endParaRPr kumimoji="0" lang="ko-KR" altLang="en-US" sz="1800" b="0" i="0" u="none" strike="noStrike" kern="1200" cap="none" spc="0" normalizeH="0" baseline="0" noProof="0">
+              <a:ln>
+                <a:noFill/>
+              </a:ln>
+              <a:solidFill>
+                <a:prstClr val="white"/>
+              </a:solidFill>
+              <a:effectLst/>
+              <a:uLnTx/>
+              <a:uFillTx/>
+              <a:latin typeface="LINE Seed Sans KR Thin"/>
+              <a:cs typeface="+mn-cs"/>
+            </a:endParaRPr>
+          </a:p>
+        </p:txBody>
+      </p:sp>
+      <p:sp>
+        <p:nvSpPr>
+          <p:cNvPr id="13" name="타원 12">
+            <a:extLst>
+              <a:ext uri="{FF2B5EF4-FFF2-40B4-BE49-F238E27FC236}">
+                <a16:creationId xmlns:a16="http://schemas.microsoft.com/office/drawing/2014/main" id="{6D3AFAA1-34B2-1248-9BA4-6F8C53BC722A}"/>
+              </a:ext>
+            </a:extLst>
+          </p:cNvPr>
+          <p:cNvSpPr/>
+          <p:nvPr/>
+        </p:nvSpPr>
+        <p:spPr>
+          <a:xfrm>
+            <a:off x="10080702" y="847492"/>
+            <a:ext cx="338736" cy="338736"/>
+          </a:xfrm>
+          <a:prstGeom prst="ellipse">
+            <a:avLst/>
+          </a:prstGeom>
+          <a:solidFill>
+            <a:srgbClr val="FF0000"/>
+          </a:solidFill>
+          <a:ln>
+            <a:noFill/>
+          </a:ln>
+          <a:effectLst>
+            <a:outerShdw blurRad="25400" dist="12700" dir="2700000" algn="tl" rotWithShape="0">
+              <a:prstClr val="black">
+                <a:alpha val="40000"/>
+              </a:prstClr>
+            </a:outerShdw>
+          </a:effectLst>
+        </p:spPr>
+        <p:style>
+          <a:lnRef idx="2">
+            <a:schemeClr val="accent1">
+              <a:shade val="50000"/>
+            </a:schemeClr>
+          </a:lnRef>
+          <a:fillRef idx="1">
+            <a:schemeClr val="accent1"/>
+          </a:fillRef>
+          <a:effectRef idx="0">
+            <a:schemeClr val="accent1"/>
+          </a:effectRef>
+          <a:fontRef idx="minor">
+            <a:schemeClr val="lt1"/>
+          </a:fontRef>
+        </p:style>
+        <p:txBody>
+          <a:bodyPr rtlCol="0" anchor="ctr"/>
+          <a:lstStyle/>
+          <a:p>
+            <a:pPr marL="0" marR="0" lvl="0" indent="0" algn="ctr" defTabSz="914400" rtl="0" eaLnBrk="1" fontAlgn="auto" latinLnBrk="1" hangingPunct="1">
+              <a:lnSpc>
+                <a:spcPct val="100000"/>
+              </a:lnSpc>
+              <a:spcBef>
+                <a:spcPts val="0"/>
+              </a:spcBef>
+              <a:spcAft>
+                <a:spcPts val="0"/>
+              </a:spcAft>
+              <a:buClrTx/>
+              <a:buSzTx/>
+              <a:buFontTx/>
+              <a:buNone/>
+              <a:tabLst/>
+              <a:defRPr/>
+            </a:pPr>
+            <a:endParaRPr kumimoji="0" lang="ko-KR" altLang="en-US" sz="1800" b="0" i="0" u="none" strike="noStrike" kern="1200" cap="none" spc="0" normalizeH="0" baseline="0" noProof="0">
+              <a:ln>
+                <a:noFill/>
+              </a:ln>
+              <a:solidFill>
+                <a:prstClr val="white"/>
+              </a:solidFill>
+              <a:effectLst/>
+              <a:uLnTx/>
+              <a:uFillTx/>
+              <a:latin typeface="LINE Seed Sans KR Thin"/>
+              <a:cs typeface="+mn-cs"/>
+            </a:endParaRPr>
+          </a:p>
+        </p:txBody>
+      </p:sp>
+      <p:sp>
+        <p:nvSpPr>
+          <p:cNvPr id="14" name="타원 13">
+            <a:extLst>
+              <a:ext uri="{FF2B5EF4-FFF2-40B4-BE49-F238E27FC236}">
+                <a16:creationId xmlns:a16="http://schemas.microsoft.com/office/drawing/2014/main" id="{DA6409DC-51A3-E577-E4A3-DF00B2584257}"/>
+              </a:ext>
+            </a:extLst>
+          </p:cNvPr>
+          <p:cNvSpPr/>
+          <p:nvPr/>
+        </p:nvSpPr>
+        <p:spPr>
+          <a:xfrm>
+            <a:off x="10524651" y="847492"/>
+            <a:ext cx="338736" cy="338736"/>
+          </a:xfrm>
+          <a:prstGeom prst="ellipse">
+            <a:avLst/>
+          </a:prstGeom>
+          <a:solidFill>
+            <a:srgbClr val="FFC000"/>
+          </a:solidFill>
+          <a:ln>
+            <a:noFill/>
+          </a:ln>
+          <a:effectLst>
+            <a:outerShdw blurRad="25400" dist="12700" dir="2700000" algn="tl" rotWithShape="0">
+              <a:prstClr val="black">
+                <a:alpha val="40000"/>
+              </a:prstClr>
+            </a:outerShdw>
+          </a:effectLst>
+        </p:spPr>
+        <p:style>
+          <a:lnRef idx="2">
+            <a:schemeClr val="accent1">
+              <a:shade val="50000"/>
+            </a:schemeClr>
+          </a:lnRef>
+          <a:fillRef idx="1">
+            <a:schemeClr val="accent1"/>
+          </a:fillRef>
+          <a:effectRef idx="0">
+            <a:schemeClr val="accent1"/>
+          </a:effectRef>
+          <a:fontRef idx="minor">
+            <a:schemeClr val="lt1"/>
+          </a:fontRef>
+        </p:style>
+        <p:txBody>
+          <a:bodyPr rtlCol="0" anchor="ctr"/>
+          <a:lstStyle/>
+          <a:p>
+            <a:pPr marL="0" marR="0" lvl="0" indent="0" algn="ctr" defTabSz="914400" rtl="0" eaLnBrk="1" fontAlgn="auto" latinLnBrk="1" hangingPunct="1">
+              <a:lnSpc>
+                <a:spcPct val="100000"/>
+              </a:lnSpc>
+              <a:spcBef>
+                <a:spcPts val="0"/>
+              </a:spcBef>
+              <a:spcAft>
+                <a:spcPts val="0"/>
+              </a:spcAft>
+              <a:buClrTx/>
+              <a:buSzTx/>
+              <a:buFontTx/>
+              <a:buNone/>
+              <a:tabLst/>
+              <a:defRPr/>
+            </a:pPr>
+            <a:endParaRPr kumimoji="0" lang="ko-KR" altLang="en-US" sz="1800" b="0" i="0" u="none" strike="noStrike" kern="1200" cap="none" spc="0" normalizeH="0" baseline="0" noProof="0">
+              <a:ln>
+                <a:noFill/>
+              </a:ln>
+              <a:solidFill>
+                <a:prstClr val="white"/>
+              </a:solidFill>
+              <a:effectLst/>
+              <a:uLnTx/>
+              <a:uFillTx/>
+              <a:latin typeface="LINE Seed Sans KR Thin"/>
+              <a:cs typeface="+mn-cs"/>
+            </a:endParaRPr>
+          </a:p>
+        </p:txBody>
+      </p:sp>
+      <p:sp>
+        <p:nvSpPr>
+          <p:cNvPr id="15" name="타원 14">
+            <a:extLst>
+              <a:ext uri="{FF2B5EF4-FFF2-40B4-BE49-F238E27FC236}">
+                <a16:creationId xmlns:a16="http://schemas.microsoft.com/office/drawing/2014/main" id="{F789CB25-86E5-2B10-BD63-3A77033E131A}"/>
+              </a:ext>
+            </a:extLst>
+          </p:cNvPr>
+          <p:cNvSpPr/>
+          <p:nvPr/>
+        </p:nvSpPr>
+        <p:spPr>
+          <a:xfrm>
+            <a:off x="10968601" y="847492"/>
+            <a:ext cx="338736" cy="338736"/>
+          </a:xfrm>
+          <a:prstGeom prst="ellipse">
+            <a:avLst/>
+          </a:prstGeom>
+          <a:solidFill>
+            <a:srgbClr val="00B050"/>
+          </a:solidFill>
+          <a:ln>
+            <a:noFill/>
+          </a:ln>
+          <a:effectLst>
+            <a:outerShdw blurRad="25400" dist="12700" dir="2700000" algn="tl" rotWithShape="0">
+              <a:prstClr val="black">
+                <a:alpha val="40000"/>
+              </a:prstClr>
+            </a:outerShdw>
+          </a:effectLst>
+        </p:spPr>
+        <p:style>
+          <a:lnRef idx="2">
+            <a:schemeClr val="accent1">
+              <a:shade val="50000"/>
+            </a:schemeClr>
+          </a:lnRef>
+          <a:fillRef idx="1">
+            <a:schemeClr val="accent1"/>
+          </a:fillRef>
+          <a:effectRef idx="0">
+            <a:schemeClr val="accent1"/>
+          </a:effectRef>
+          <a:fontRef idx="minor">
+            <a:schemeClr val="lt1"/>
+          </a:fontRef>
+        </p:style>
+        <p:txBody>
+          <a:bodyPr rtlCol="0" anchor="ctr"/>
+          <a:lstStyle/>
+          <a:p>
+            <a:pPr marL="0" marR="0" lvl="0" indent="0" algn="ctr" defTabSz="914400" rtl="0" eaLnBrk="1" fontAlgn="auto" latinLnBrk="1" hangingPunct="1">
+              <a:lnSpc>
+                <a:spcPct val="100000"/>
+              </a:lnSpc>
+              <a:spcBef>
+                <a:spcPts val="0"/>
+              </a:spcBef>
+              <a:spcAft>
+                <a:spcPts val="0"/>
+              </a:spcAft>
+              <a:buClrTx/>
+              <a:buSzTx/>
+              <a:buFontTx/>
+              <a:buNone/>
+              <a:tabLst/>
+              <a:defRPr/>
+            </a:pPr>
+            <a:endParaRPr kumimoji="0" lang="ko-KR" altLang="en-US" sz="1800" b="0" i="0" u="none" strike="noStrike" kern="1200" cap="none" spc="0" normalizeH="0" baseline="0" noProof="0">
+              <a:ln>
+                <a:noFill/>
+              </a:ln>
+              <a:solidFill>
+                <a:prstClr val="white"/>
+              </a:solidFill>
+              <a:effectLst/>
+              <a:uLnTx/>
+              <a:uFillTx/>
+              <a:latin typeface="LINE Seed Sans KR Thin"/>
+              <a:cs typeface="+mn-cs"/>
+            </a:endParaRPr>
+          </a:p>
+        </p:txBody>
+      </p:sp>
+      <p:sp>
+        <p:nvSpPr>
+          <p:cNvPr id="26" name="사각형: 둥근 모서리 25">
+            <a:extLst>
+              <a:ext uri="{FF2B5EF4-FFF2-40B4-BE49-F238E27FC236}">
+                <a16:creationId xmlns:a16="http://schemas.microsoft.com/office/drawing/2014/main" id="{886C03F3-7824-CCB3-5EB4-F079DD85AEA2}"/>
+              </a:ext>
+            </a:extLst>
+          </p:cNvPr>
+          <p:cNvSpPr/>
+          <p:nvPr/>
+        </p:nvSpPr>
+        <p:spPr>
+          <a:xfrm>
+            <a:off x="7075449" y="1632057"/>
+            <a:ext cx="4298568" cy="4274221"/>
+          </a:xfrm>
+          <a:prstGeom prst="roundRect">
+            <a:avLst>
+              <a:gd name="adj" fmla="val 12621"/>
+            </a:avLst>
+          </a:prstGeom>
+          <a:ln>
+            <a:noFill/>
+          </a:ln>
+        </p:spPr>
+        <p:style>
+          <a:lnRef idx="2">
+            <a:schemeClr val="accent1">
+              <a:shade val="50000"/>
+            </a:schemeClr>
+          </a:lnRef>
+          <a:fillRef idx="1">
+            <a:schemeClr val="accent1"/>
+          </a:fillRef>
+          <a:effectRef idx="0">
+            <a:schemeClr val="accent1"/>
+          </a:effectRef>
+          <a:fontRef idx="minor">
+            <a:schemeClr val="lt1"/>
+          </a:fontRef>
+        </p:style>
+        <p:txBody>
+          <a:bodyPr rtlCol="0" anchor="ctr"/>
+          <a:lstStyle/>
+          <a:p>
+            <a:pPr marL="0" marR="0" lvl="0" indent="0" algn="ctr" defTabSz="914400" rtl="0" eaLnBrk="1" fontAlgn="auto" latinLnBrk="1" hangingPunct="1">
+              <a:lnSpc>
+                <a:spcPct val="100000"/>
+              </a:lnSpc>
+              <a:spcBef>
+                <a:spcPts val="0"/>
+              </a:spcBef>
+              <a:spcAft>
+                <a:spcPts val="0"/>
+              </a:spcAft>
+              <a:buClrTx/>
+              <a:buSzTx/>
+              <a:buFontTx/>
+              <a:buNone/>
+              <a:tabLst/>
+              <a:defRPr/>
+            </a:pPr>
+            <a:endParaRPr kumimoji="0" lang="ko-KR" altLang="en-US" sz="1800" b="0" i="0" u="none" strike="noStrike" kern="1200" cap="none" spc="0" normalizeH="0" baseline="0" noProof="0">
+              <a:ln>
+                <a:noFill/>
+              </a:ln>
+              <a:solidFill>
+                <a:prstClr val="white"/>
+              </a:solidFill>
+              <a:effectLst/>
+              <a:uLnTx/>
+              <a:uFillTx/>
+              <a:latin typeface="LINE Seed Sans KR Thin"/>
+              <a:cs typeface="+mn-cs"/>
+            </a:endParaRPr>
+          </a:p>
+        </p:txBody>
+      </p:sp>
+      <p:sp>
+        <p:nvSpPr>
+          <p:cNvPr id="25" name="TextBox 24">
+            <a:extLst>
+              <a:ext uri="{FF2B5EF4-FFF2-40B4-BE49-F238E27FC236}">
+                <a16:creationId xmlns:a16="http://schemas.microsoft.com/office/drawing/2014/main" id="{5B72FB68-6EEF-88C8-0264-772A1727056A}"/>
+              </a:ext>
+            </a:extLst>
+          </p:cNvPr>
+          <p:cNvSpPr txBox="1"/>
+          <p:nvPr/>
+        </p:nvSpPr>
+        <p:spPr>
+          <a:xfrm>
+            <a:off x="7381777" y="1837734"/>
+            <a:ext cx="3481610" cy="2800767"/>
+          </a:xfrm>
+          <a:prstGeom prst="rect">
+            <a:avLst/>
+          </a:prstGeom>
+          <a:noFill/>
+        </p:spPr>
+        <p:txBody>
+          <a:bodyPr wrap="square" rtlCol="0">
+            <a:spAutoFit/>
+          </a:bodyPr>
+          <a:lstStyle/>
+          <a:p>
+            <a:pPr marL="0" marR="0" lvl="0" indent="0" algn="l" defTabSz="914400" rtl="0" eaLnBrk="1" fontAlgn="auto" latinLnBrk="1" hangingPunct="1">
+              <a:spcBef>
+                <a:spcPts val="0"/>
+              </a:spcBef>
+              <a:spcAft>
+                <a:spcPts val="0"/>
+              </a:spcAft>
+              <a:buClrTx/>
+              <a:buSzTx/>
+              <a:buFontTx/>
+              <a:buNone/>
+              <a:tabLst/>
+              <a:defRPr/>
+            </a:pPr>
+            <a:r>
+              <a:rPr kumimoji="0" lang="ko-KR" altLang="en-US" sz="2200" b="0" i="0" u="none" strike="noStrike" kern="1200" cap="none" spc="0" normalizeH="0" baseline="0" noProof="0" dirty="0">
+                <a:ln>
+                  <a:noFill/>
+                </a:ln>
+                <a:solidFill>
+                  <a:prstClr val="white"/>
+                </a:solidFill>
+                <a:effectLst/>
+                <a:uLnTx/>
+                <a:uFillTx/>
+                <a:latin typeface="나눔바른펜" panose="020B0503000000000000" pitchFamily="50" charset="-127"/>
+                <a:ea typeface="나눔바른펜" panose="020B0503000000000000" pitchFamily="50" charset="-127"/>
+              </a:rPr>
+              <a:t>골드를 모아 문명을 업그레이드한 상태</a:t>
+            </a:r>
+            <a:r>
+              <a:rPr kumimoji="0" lang="en-US" altLang="ko-KR" sz="2200" b="0" i="0" u="none" strike="noStrike" kern="1200" cap="none" spc="0" normalizeH="0" baseline="0" noProof="0" dirty="0">
+                <a:ln>
+                  <a:noFill/>
+                </a:ln>
+                <a:solidFill>
+                  <a:prstClr val="white"/>
+                </a:solidFill>
+                <a:effectLst/>
+                <a:uLnTx/>
+                <a:uFillTx/>
+                <a:latin typeface="나눔바른펜" panose="020B0503000000000000" pitchFamily="50" charset="-127"/>
+                <a:ea typeface="나눔바른펜" panose="020B0503000000000000" pitchFamily="50" charset="-127"/>
+              </a:rPr>
+              <a:t>. (</a:t>
+            </a:r>
+            <a:r>
+              <a:rPr kumimoji="0" lang="ko-KR" altLang="en-US" sz="2200" b="0" i="0" u="none" strike="noStrike" kern="1200" cap="none" spc="0" normalizeH="0" baseline="0" noProof="0" dirty="0">
+                <a:ln>
+                  <a:noFill/>
+                </a:ln>
+                <a:solidFill>
+                  <a:prstClr val="white"/>
+                </a:solidFill>
+                <a:effectLst/>
+                <a:uLnTx/>
+                <a:uFillTx/>
+                <a:latin typeface="나눔바른펜" panose="020B0503000000000000" pitchFamily="50" charset="-127"/>
+                <a:ea typeface="나눔바른펜" panose="020B0503000000000000" pitchFamily="50" charset="-127"/>
+              </a:rPr>
+              <a:t>원시 문명 </a:t>
+            </a:r>
+            <a:r>
+              <a:rPr kumimoji="0" lang="en-US" altLang="ko-KR" sz="2200" b="0" i="0" u="none" strike="noStrike" kern="1200" cap="none" spc="0" normalizeH="0" baseline="0" noProof="0" dirty="0">
+                <a:ln>
+                  <a:noFill/>
+                </a:ln>
+                <a:solidFill>
+                  <a:prstClr val="white"/>
+                </a:solidFill>
+                <a:effectLst/>
+                <a:uLnTx/>
+                <a:uFillTx/>
+                <a:latin typeface="나눔바른펜" panose="020B0503000000000000" pitchFamily="50" charset="-127"/>
+                <a:ea typeface="나눔바른펜" panose="020B0503000000000000" pitchFamily="50" charset="-127"/>
+              </a:rPr>
+              <a:t>-&gt; </a:t>
+            </a:r>
+            <a:r>
+              <a:rPr kumimoji="0" lang="ko-KR" altLang="en-US" sz="2200" b="0" i="0" u="none" strike="noStrike" kern="1200" cap="none" spc="0" normalizeH="0" baseline="0" noProof="0" dirty="0">
+                <a:ln>
+                  <a:noFill/>
+                </a:ln>
+                <a:solidFill>
+                  <a:prstClr val="white"/>
+                </a:solidFill>
+                <a:effectLst/>
+                <a:uLnTx/>
+                <a:uFillTx/>
+                <a:latin typeface="나눔바른펜" panose="020B0503000000000000" pitchFamily="50" charset="-127"/>
+                <a:ea typeface="나눔바른펜" panose="020B0503000000000000" pitchFamily="50" charset="-127"/>
+              </a:rPr>
+              <a:t>미래 문명</a:t>
+            </a:r>
+            <a:r>
+              <a:rPr kumimoji="0" lang="en-US" altLang="ko-KR" sz="2200" b="0" i="0" u="none" strike="noStrike" kern="1200" cap="none" spc="0" normalizeH="0" baseline="0" noProof="0" dirty="0">
+                <a:ln>
+                  <a:noFill/>
+                </a:ln>
+                <a:solidFill>
+                  <a:prstClr val="white"/>
+                </a:solidFill>
+                <a:effectLst/>
+                <a:uLnTx/>
+                <a:uFillTx/>
+                <a:latin typeface="나눔바른펜" panose="020B0503000000000000" pitchFamily="50" charset="-127"/>
+                <a:ea typeface="나눔바른펜" panose="020B0503000000000000" pitchFamily="50" charset="-127"/>
+              </a:rPr>
+              <a:t>)</a:t>
+            </a:r>
+          </a:p>
+          <a:p>
+            <a:pPr marL="0" marR="0" lvl="0" indent="0" algn="l" defTabSz="914400" rtl="0" eaLnBrk="1" fontAlgn="auto" latinLnBrk="1" hangingPunct="1">
+              <a:spcBef>
+                <a:spcPts val="0"/>
+              </a:spcBef>
+              <a:spcAft>
+                <a:spcPts val="0"/>
+              </a:spcAft>
+              <a:buClrTx/>
+              <a:buSzTx/>
+              <a:buFontTx/>
+              <a:buNone/>
+              <a:tabLst/>
+              <a:defRPr/>
+            </a:pPr>
+            <a:endParaRPr lang="en-US" altLang="ko-KR" sz="2200" dirty="0">
+              <a:solidFill>
+                <a:prstClr val="white"/>
+              </a:solidFill>
+              <a:latin typeface="나눔바른펜" panose="020B0503000000000000" pitchFamily="50" charset="-127"/>
+              <a:ea typeface="나눔바른펜" panose="020B0503000000000000" pitchFamily="50" charset="-127"/>
+            </a:endParaRPr>
+          </a:p>
+          <a:p>
+            <a:pPr marL="0" marR="0" lvl="0" indent="0" algn="l" defTabSz="914400" rtl="0" eaLnBrk="1" fontAlgn="auto" latinLnBrk="1" hangingPunct="1">
+              <a:spcBef>
+                <a:spcPts val="0"/>
+              </a:spcBef>
+              <a:spcAft>
+                <a:spcPts val="0"/>
+              </a:spcAft>
+              <a:buClrTx/>
+              <a:buSzTx/>
+              <a:buFontTx/>
+              <a:buNone/>
+              <a:tabLst/>
+              <a:defRPr/>
+            </a:pPr>
+            <a:r>
+              <a:rPr lang="ko-KR" altLang="en-US" sz="2200" dirty="0">
+                <a:solidFill>
+                  <a:prstClr val="white"/>
+                </a:solidFill>
+                <a:latin typeface="나눔바른펜" panose="020B0503000000000000" pitchFamily="50" charset="-127"/>
+                <a:ea typeface="나눔바른펜" panose="020B0503000000000000" pitchFamily="50" charset="-127"/>
+              </a:rPr>
+              <a:t>자신의 타워에 근처 유닛을 공격하는 업그레이드를 추가한 상태</a:t>
+            </a:r>
+            <a:r>
+              <a:rPr lang="en-US" altLang="ko-KR" sz="2200" dirty="0">
+                <a:solidFill>
+                  <a:prstClr val="white"/>
+                </a:solidFill>
+                <a:latin typeface="나눔바른펜" panose="020B0503000000000000" pitchFamily="50" charset="-127"/>
+                <a:ea typeface="나눔바른펜" panose="020B0503000000000000" pitchFamily="50" charset="-127"/>
+              </a:rPr>
+              <a:t>.</a:t>
+            </a:r>
+          </a:p>
+          <a:p>
+            <a:pPr marL="0" marR="0" lvl="0" indent="0" algn="l" defTabSz="914400" rtl="0" eaLnBrk="1" fontAlgn="auto" latinLnBrk="1" hangingPunct="1">
+              <a:spcBef>
+                <a:spcPts val="0"/>
+              </a:spcBef>
+              <a:spcAft>
+                <a:spcPts val="0"/>
+              </a:spcAft>
+              <a:buClrTx/>
+              <a:buSzTx/>
+              <a:buFontTx/>
+              <a:buNone/>
+              <a:tabLst/>
+              <a:defRPr/>
+            </a:pPr>
+            <a:endParaRPr lang="en-US" altLang="ko-KR" sz="2200" dirty="0">
+              <a:solidFill>
+                <a:prstClr val="white"/>
+              </a:solidFill>
+              <a:latin typeface="나눔바른펜" panose="020B0503000000000000" pitchFamily="50" charset="-127"/>
+              <a:ea typeface="나눔바른펜" panose="020B0503000000000000" pitchFamily="50" charset="-127"/>
+            </a:endParaRPr>
+          </a:p>
+          <a:p>
+            <a:pPr marL="0" marR="0" lvl="0" indent="0" algn="l" defTabSz="914400" rtl="0" eaLnBrk="1" fontAlgn="auto" latinLnBrk="1" hangingPunct="1">
+              <a:spcBef>
+                <a:spcPts val="0"/>
+              </a:spcBef>
+              <a:spcAft>
+                <a:spcPts val="0"/>
+              </a:spcAft>
+              <a:buClrTx/>
+              <a:buSzTx/>
+              <a:buFontTx/>
+              <a:buNone/>
+              <a:tabLst/>
+              <a:defRPr/>
+            </a:pPr>
+            <a:r>
+              <a:rPr kumimoji="0" lang="ko-KR" altLang="en-US" sz="2200" b="0" i="0" u="none" strike="noStrike" kern="1200" cap="none" spc="0" normalizeH="0" baseline="0" noProof="0" dirty="0">
+                <a:ln>
+                  <a:noFill/>
+                </a:ln>
+                <a:solidFill>
+                  <a:prstClr val="white"/>
+                </a:solidFill>
+                <a:effectLst/>
+                <a:uLnTx/>
+                <a:uFillTx/>
+                <a:latin typeface="나눔바른펜" panose="020B0503000000000000" pitchFamily="50" charset="-127"/>
+                <a:ea typeface="나눔바른펜" panose="020B0503000000000000" pitchFamily="50" charset="-127"/>
+              </a:rPr>
+              <a:t>뽑을 수 있는 유닛이 더욱 강력한 것으로 변경되었음</a:t>
+            </a:r>
+            <a:r>
+              <a:rPr kumimoji="0" lang="en-US" altLang="ko-KR" sz="2200" b="0" i="0" u="none" strike="noStrike" kern="1200" cap="none" spc="0" normalizeH="0" baseline="0" noProof="0" dirty="0">
+                <a:ln>
+                  <a:noFill/>
+                </a:ln>
+                <a:solidFill>
+                  <a:prstClr val="white"/>
+                </a:solidFill>
+                <a:effectLst/>
+                <a:uLnTx/>
+                <a:uFillTx/>
+                <a:latin typeface="나눔바른펜" panose="020B0503000000000000" pitchFamily="50" charset="-127"/>
+                <a:ea typeface="나눔바른펜" panose="020B0503000000000000" pitchFamily="50" charset="-127"/>
+              </a:rPr>
+              <a:t>.</a:t>
+            </a:r>
+            <a:endParaRPr kumimoji="0" lang="ko-KR" altLang="en-US" sz="2200" b="0" i="0" u="none" strike="noStrike" kern="1200" cap="none" spc="0" normalizeH="0" baseline="0" noProof="0" dirty="0">
+              <a:ln>
+                <a:noFill/>
+              </a:ln>
+              <a:solidFill>
+                <a:prstClr val="white"/>
+              </a:solidFill>
+              <a:effectLst/>
+              <a:uLnTx/>
+              <a:uFillTx/>
+              <a:latin typeface="나눔바른펜" panose="020B0503000000000000" pitchFamily="50" charset="-127"/>
+              <a:ea typeface="나눔바른펜" panose="020B0503000000000000" pitchFamily="50" charset="-127"/>
+            </a:endParaRPr>
+          </a:p>
+        </p:txBody>
+      </p:sp>
+      <p:sp>
+        <p:nvSpPr>
+          <p:cNvPr id="27" name="TextBox 26">
+            <a:extLst>
+              <a:ext uri="{FF2B5EF4-FFF2-40B4-BE49-F238E27FC236}">
+                <a16:creationId xmlns:a16="http://schemas.microsoft.com/office/drawing/2014/main" id="{B785ED7E-92A4-DB60-575A-9BAB2682B1A2}"/>
+              </a:ext>
+            </a:extLst>
+          </p:cNvPr>
+          <p:cNvSpPr txBox="1"/>
+          <p:nvPr/>
+        </p:nvSpPr>
+        <p:spPr>
+          <a:xfrm>
+            <a:off x="949789" y="789503"/>
+            <a:ext cx="3151825" cy="461665"/>
+          </a:xfrm>
+          <a:prstGeom prst="rect">
+            <a:avLst/>
+          </a:prstGeom>
+          <a:noFill/>
+        </p:spPr>
+        <p:txBody>
+          <a:bodyPr wrap="none" rtlCol="0">
+            <a:spAutoFit/>
+          </a:bodyPr>
+          <a:lstStyle/>
+          <a:p>
+            <a:pPr marL="0" marR="0" lvl="0" indent="0" algn="l" defTabSz="914400" rtl="0" eaLnBrk="1" fontAlgn="auto" latinLnBrk="1" hangingPunct="1">
+              <a:lnSpc>
+                <a:spcPct val="100000"/>
+              </a:lnSpc>
+              <a:spcBef>
+                <a:spcPts val="0"/>
+              </a:spcBef>
+              <a:spcAft>
+                <a:spcPts val="0"/>
+              </a:spcAft>
+              <a:buClrTx/>
+              <a:buSzTx/>
+              <a:buFontTx/>
+              <a:buNone/>
+              <a:tabLst/>
+              <a:defRPr/>
+            </a:pPr>
+            <a:r>
+              <a:rPr kumimoji="0" lang="ko-KR" altLang="en-US" sz="2400" b="1" i="0" u="none" strike="noStrike" kern="1200" cap="none" spc="0" normalizeH="0" baseline="0" noProof="0" dirty="0">
+                <a:ln>
+                  <a:noFill/>
+                </a:ln>
+                <a:solidFill>
+                  <a:prstClr val="black">
+                    <a:lumMod val="75000"/>
+                    <a:lumOff val="25000"/>
+                  </a:prstClr>
+                </a:solidFill>
+                <a:effectLst/>
+                <a:uLnTx/>
+                <a:uFillTx/>
+                <a:latin typeface="나눔스퀘어 ExtraBold" panose="020B0600000101010101" pitchFamily="50" charset="-127"/>
+                <a:ea typeface="나눔스퀘어 ExtraBold" panose="020B0600000101010101" pitchFamily="50" charset="-127"/>
+              </a:rPr>
+              <a:t>게임 플레이 </a:t>
+            </a:r>
+            <a:r>
+              <a:rPr kumimoji="0" lang="en-US" altLang="ko-KR" sz="2400" b="1" i="0" u="none" strike="noStrike" kern="1200" cap="none" spc="0" normalizeH="0" baseline="0" noProof="0" dirty="0">
+                <a:ln>
+                  <a:noFill/>
+                </a:ln>
+                <a:solidFill>
+                  <a:prstClr val="black">
+                    <a:lumMod val="75000"/>
+                    <a:lumOff val="25000"/>
+                  </a:prstClr>
+                </a:solidFill>
+                <a:effectLst/>
+                <a:uLnTx/>
+                <a:uFillTx/>
+                <a:latin typeface="나눔스퀘어 ExtraBold" panose="020B0600000101010101" pitchFamily="50" charset="-127"/>
+                <a:ea typeface="나눔스퀘어 ExtraBold" panose="020B0600000101010101" pitchFamily="50" charset="-127"/>
+              </a:rPr>
+              <a:t>– </a:t>
+            </a:r>
+            <a:r>
+              <a:rPr kumimoji="0" lang="ko-KR" altLang="en-US" sz="2400" b="1" i="0" u="none" strike="noStrike" kern="1200" cap="none" spc="0" normalizeH="0" baseline="0" noProof="0" dirty="0">
+                <a:ln>
+                  <a:noFill/>
+                </a:ln>
+                <a:solidFill>
+                  <a:prstClr val="black">
+                    <a:lumMod val="75000"/>
+                    <a:lumOff val="25000"/>
+                  </a:prstClr>
+                </a:solidFill>
+                <a:effectLst/>
+                <a:uLnTx/>
+                <a:uFillTx/>
+                <a:latin typeface="나눔스퀘어 ExtraBold" panose="020B0600000101010101" pitchFamily="50" charset="-127"/>
+                <a:ea typeface="나눔스퀘어 ExtraBold" panose="020B0600000101010101" pitchFamily="50" charset="-127"/>
+              </a:rPr>
+              <a:t>미래 시대</a:t>
+            </a:r>
+          </a:p>
+        </p:txBody>
+      </p:sp>
+      <p:sp>
+        <p:nvSpPr>
+          <p:cNvPr id="28" name="사각형: 둥근 모서리 27">
+            <a:extLst>
+              <a:ext uri="{FF2B5EF4-FFF2-40B4-BE49-F238E27FC236}">
+                <a16:creationId xmlns:a16="http://schemas.microsoft.com/office/drawing/2014/main" id="{7B70873B-A853-EAE0-0210-7B4BF326885A}"/>
+              </a:ext>
+            </a:extLst>
+          </p:cNvPr>
+          <p:cNvSpPr/>
+          <p:nvPr/>
+        </p:nvSpPr>
+        <p:spPr>
+          <a:xfrm rot="20780450">
+            <a:off x="89622" y="195452"/>
+            <a:ext cx="1514263" cy="598922"/>
+          </a:xfrm>
+          <a:prstGeom prst="roundRect">
+            <a:avLst>
+              <a:gd name="adj" fmla="val 50000"/>
+            </a:avLst>
+          </a:prstGeom>
+          <a:solidFill>
+            <a:schemeClr val="accent3"/>
+          </a:solidFill>
+          <a:ln>
+            <a:noFill/>
+          </a:ln>
+        </p:spPr>
+        <p:style>
+          <a:lnRef idx="2">
+            <a:schemeClr val="accent1">
+              <a:shade val="50000"/>
+            </a:schemeClr>
+          </a:lnRef>
+          <a:fillRef idx="1">
+            <a:schemeClr val="accent1"/>
+          </a:fillRef>
+          <a:effectRef idx="0">
+            <a:schemeClr val="accent1"/>
+          </a:effectRef>
+          <a:fontRef idx="minor">
+            <a:schemeClr val="lt1"/>
+          </a:fontRef>
+        </p:style>
+        <p:txBody>
+          <a:bodyPr rtlCol="0" anchor="ctr"/>
+          <a:lstStyle/>
+          <a:p>
+            <a:pPr algn="ctr"/>
+            <a:endParaRPr lang="ko-KR" altLang="en-US"/>
+          </a:p>
+        </p:txBody>
+      </p:sp>
+      <p:sp>
+        <p:nvSpPr>
+          <p:cNvPr id="29" name="TextBox 28">
+            <a:extLst>
+              <a:ext uri="{FF2B5EF4-FFF2-40B4-BE49-F238E27FC236}">
+                <a16:creationId xmlns:a16="http://schemas.microsoft.com/office/drawing/2014/main" id="{AF7E1D5C-D4B9-BFF5-BF2E-3A576D2521BF}"/>
+              </a:ext>
+            </a:extLst>
+          </p:cNvPr>
+          <p:cNvSpPr txBox="1"/>
+          <p:nvPr/>
+        </p:nvSpPr>
+        <p:spPr>
+          <a:xfrm rot="20780450">
+            <a:off x="256881" y="259857"/>
+            <a:ext cx="1214499" cy="461665"/>
+          </a:xfrm>
+          <a:prstGeom prst="rect">
+            <a:avLst/>
+          </a:prstGeom>
+          <a:noFill/>
+          <a:ln>
+            <a:noFill/>
+          </a:ln>
+        </p:spPr>
+        <p:style>
+          <a:lnRef idx="2">
+            <a:schemeClr val="accent1">
+              <a:shade val="50000"/>
+            </a:schemeClr>
+          </a:lnRef>
+          <a:fillRef idx="1">
+            <a:schemeClr val="accent1"/>
+          </a:fillRef>
+          <a:effectRef idx="0">
+            <a:schemeClr val="accent1"/>
+          </a:effectRef>
+          <a:fontRef idx="minor">
+            <a:schemeClr val="lt1"/>
+          </a:fontRef>
+        </p:style>
+        <p:txBody>
+          <a:bodyPr rtlCol="0" anchor="ctr"/>
+          <a:lstStyle>
+            <a:defPPr>
+              <a:defRPr lang="ko-KR"/>
+            </a:defPPr>
+            <a:lvl1pPr algn="ctr">
+              <a:defRPr>
+                <a:solidFill>
+                  <a:schemeClr val="lt1"/>
+                </a:solidFill>
+              </a:defRPr>
+            </a:lvl1pPr>
+            <a:lvl2pPr>
+              <a:defRPr>
+                <a:solidFill>
+                  <a:schemeClr val="lt1"/>
+                </a:solidFill>
+              </a:defRPr>
+            </a:lvl2pPr>
+            <a:lvl3pPr>
+              <a:defRPr>
+                <a:solidFill>
+                  <a:schemeClr val="lt1"/>
+                </a:solidFill>
+              </a:defRPr>
+            </a:lvl3pPr>
+            <a:lvl4pPr>
+              <a:defRPr>
+                <a:solidFill>
+                  <a:schemeClr val="lt1"/>
+                </a:solidFill>
+              </a:defRPr>
+            </a:lvl4pPr>
+            <a:lvl5pPr>
+              <a:defRPr>
+                <a:solidFill>
+                  <a:schemeClr val="lt1"/>
+                </a:solidFill>
+              </a:defRPr>
+            </a:lvl5pPr>
+            <a:lvl6pPr>
+              <a:defRPr>
+                <a:solidFill>
+                  <a:schemeClr val="lt1"/>
+                </a:solidFill>
+              </a:defRPr>
+            </a:lvl6pPr>
+            <a:lvl7pPr>
+              <a:defRPr>
+                <a:solidFill>
+                  <a:schemeClr val="lt1"/>
+                </a:solidFill>
+              </a:defRPr>
+            </a:lvl7pPr>
+            <a:lvl8pPr>
+              <a:defRPr>
+                <a:solidFill>
+                  <a:schemeClr val="lt1"/>
+                </a:solidFill>
+              </a:defRPr>
+            </a:lvl8pPr>
+            <a:lvl9pPr>
+              <a:defRPr>
+                <a:solidFill>
+                  <a:schemeClr val="lt1"/>
+                </a:solidFill>
+              </a:defRPr>
+            </a:lvl9pPr>
+          </a:lstStyle>
+          <a:p>
+            <a:r>
+              <a:rPr lang="en-US" altLang="ko-KR" dirty="0">
+                <a:solidFill>
+                  <a:schemeClr val="tx1">
+                    <a:lumMod val="65000"/>
+                    <a:lumOff val="35000"/>
+                  </a:schemeClr>
+                </a:solidFill>
+                <a:latin typeface="나눔스퀘어 ExtraBold" panose="020B0600000101010101" pitchFamily="50" charset="-127"/>
+                <a:ea typeface="나눔스퀘어 ExtraBold" panose="020B0600000101010101" pitchFamily="50" charset="-127"/>
+              </a:rPr>
+              <a:t>Part 1</a:t>
+            </a:r>
+            <a:endParaRPr lang="ko-KR" altLang="en-US" dirty="0">
+              <a:solidFill>
+                <a:schemeClr val="tx1">
+                  <a:lumMod val="65000"/>
+                  <a:lumOff val="35000"/>
+                </a:schemeClr>
+              </a:solidFill>
+              <a:latin typeface="나눔스퀘어 ExtraBold" panose="020B0600000101010101" pitchFamily="50" charset="-127"/>
+              <a:ea typeface="나눔스퀘어 ExtraBold" panose="020B0600000101010101" pitchFamily="50" charset="-127"/>
+            </a:endParaRPr>
+          </a:p>
+        </p:txBody>
+      </p:sp>
+      <p:pic>
+        <p:nvPicPr>
+          <p:cNvPr id="10" name="그림 9" descr="나무, 애니메이션, 만화 영화, 텍스트이(가) 표시된 사진&#10;&#10;자동 생성된 설명">
+            <a:extLst>
+              <a:ext uri="{FF2B5EF4-FFF2-40B4-BE49-F238E27FC236}">
+                <a16:creationId xmlns:a16="http://schemas.microsoft.com/office/drawing/2014/main" id="{D8D706CA-F83C-97B7-E520-785ED838E405}"/>
+              </a:ext>
+            </a:extLst>
+          </p:cNvPr>
+          <p:cNvPicPr>
+            <a:picLocks noChangeAspect="1"/>
+          </p:cNvPicPr>
+          <p:nvPr/>
+        </p:nvPicPr>
+        <p:blipFill>
+          <a:blip r:embed="rId3">
+            <a:extLst>
+              <a:ext uri="{28A0092B-C50C-407E-A947-70E740481C1C}">
+                <a14:useLocalDpi xmlns:a14="http://schemas.microsoft.com/office/drawing/2010/main" val="0"/>
+              </a:ext>
+            </a:extLst>
+          </a:blip>
+          <a:stretch>
+            <a:fillRect/>
+          </a:stretch>
+        </p:blipFill>
+        <p:spPr>
+          <a:xfrm>
+            <a:off x="1095292" y="2033117"/>
+            <a:ext cx="5596168" cy="3179442"/>
+          </a:xfrm>
+          <a:prstGeom prst="rect">
+            <a:avLst/>
+          </a:prstGeom>
+        </p:spPr>
+      </p:pic>
+    </p:spTree>
+    <p:extLst>
+      <p:ext uri="{BB962C8B-B14F-4D97-AF65-F5344CB8AC3E}">
+        <p14:creationId xmlns:p14="http://schemas.microsoft.com/office/powerpoint/2010/main" val="2232916810"/>
       </p:ext>
     </p:extLst>
   </p:cSld>
@@ -8641,7 +10079,7 @@
 </p:sld>
 </file>
 
-<file path=ppt/slides/slide5.xml><?xml version="1.0" encoding="utf-8"?>
+<file path=ppt/slides/slide6.xml><?xml version="1.0" encoding="utf-8"?>
 <p:sld xmlns:a="http://schemas.openxmlformats.org/drawingml/2006/main" xmlns:r="http://schemas.openxmlformats.org/officeDocument/2006/relationships" xmlns:p="http://schemas.openxmlformats.org/presentationml/2006/main">
   <p:cSld>
     <p:spTree>
@@ -10443,7 +11881,7 @@
 </p:sld>
 </file>
 
-<file path=ppt/slides/slide6.xml><?xml version="1.0" encoding="utf-8"?>
+<file path=ppt/slides/slide7.xml><?xml version="1.0" encoding="utf-8"?>
 <p:sld xmlns:a="http://schemas.openxmlformats.org/drawingml/2006/main" xmlns:r="http://schemas.openxmlformats.org/officeDocument/2006/relationships" xmlns:p="http://schemas.openxmlformats.org/presentationml/2006/main">
   <p:cSld>
     <p:spTree>
@@ -13222,7 +14660,7 @@
 </p:sld>
 </file>
 
-<file path=ppt/slides/slide7.xml><?xml version="1.0" encoding="utf-8"?>
+<file path=ppt/slides/slide8.xml><?xml version="1.0" encoding="utf-8"?>
 <p:sld xmlns:a="http://schemas.openxmlformats.org/drawingml/2006/main" xmlns:r="http://schemas.openxmlformats.org/officeDocument/2006/relationships" xmlns:p="http://schemas.openxmlformats.org/presentationml/2006/main">
   <p:cSld>
     <p:spTree>

--- a/2024 2DGP 1차발표 2021182012 민지용.pptx
+++ b/2024 2DGP 1차발표 2021182012 민지용.pptx
@@ -204,7 +204,7 @@
           <a:p>
             <a:fld id="{E106B7E9-4793-4B6B-A1CA-1AB48E327C1C}" type="datetimeFigureOut">
               <a:rPr lang="ko-KR" altLang="en-US" smtClean="0"/>
-              <a:t>2024-10-13</a:t>
+              <a:t>2024-11-18</a:t>
             </a:fld>
             <a:endParaRPr lang="ko-KR" altLang="en-US"/>
           </a:p>
@@ -786,7 +786,7 @@
           <a:p>
             <a:fld id="{527E487E-FB29-46CC-86DB-8016FC2560E5}" type="datetimeFigureOut">
               <a:rPr lang="ko-KR" altLang="en-US" smtClean="0"/>
-              <a:t>2024-10-13</a:t>
+              <a:t>2024-11-18</a:t>
             </a:fld>
             <a:endParaRPr lang="ko-KR" altLang="en-US"/>
           </a:p>
@@ -984,7 +984,7 @@
           <a:p>
             <a:fld id="{527E487E-FB29-46CC-86DB-8016FC2560E5}" type="datetimeFigureOut">
               <a:rPr lang="ko-KR" altLang="en-US" smtClean="0"/>
-              <a:t>2024-10-13</a:t>
+              <a:t>2024-11-18</a:t>
             </a:fld>
             <a:endParaRPr lang="ko-KR" altLang="en-US"/>
           </a:p>
@@ -1192,7 +1192,7 @@
           <a:p>
             <a:fld id="{527E487E-FB29-46CC-86DB-8016FC2560E5}" type="datetimeFigureOut">
               <a:rPr lang="ko-KR" altLang="en-US" smtClean="0"/>
-              <a:t>2024-10-13</a:t>
+              <a:t>2024-11-18</a:t>
             </a:fld>
             <a:endParaRPr lang="ko-KR" altLang="en-US"/>
           </a:p>
@@ -1390,7 +1390,7 @@
           <a:p>
             <a:fld id="{527E487E-FB29-46CC-86DB-8016FC2560E5}" type="datetimeFigureOut">
               <a:rPr lang="ko-KR" altLang="en-US" smtClean="0"/>
-              <a:t>2024-10-13</a:t>
+              <a:t>2024-11-18</a:t>
             </a:fld>
             <a:endParaRPr lang="ko-KR" altLang="en-US"/>
           </a:p>
@@ -1665,7 +1665,7 @@
           <a:p>
             <a:fld id="{527E487E-FB29-46CC-86DB-8016FC2560E5}" type="datetimeFigureOut">
               <a:rPr lang="ko-KR" altLang="en-US" smtClean="0"/>
-              <a:t>2024-10-13</a:t>
+              <a:t>2024-11-18</a:t>
             </a:fld>
             <a:endParaRPr lang="ko-KR" altLang="en-US"/>
           </a:p>
@@ -1930,7 +1930,7 @@
           <a:p>
             <a:fld id="{527E487E-FB29-46CC-86DB-8016FC2560E5}" type="datetimeFigureOut">
               <a:rPr lang="ko-KR" altLang="en-US" smtClean="0"/>
-              <a:t>2024-10-13</a:t>
+              <a:t>2024-11-18</a:t>
             </a:fld>
             <a:endParaRPr lang="ko-KR" altLang="en-US"/>
           </a:p>
@@ -2342,7 +2342,7 @@
           <a:p>
             <a:fld id="{527E487E-FB29-46CC-86DB-8016FC2560E5}" type="datetimeFigureOut">
               <a:rPr lang="ko-KR" altLang="en-US" smtClean="0"/>
-              <a:t>2024-10-13</a:t>
+              <a:t>2024-11-18</a:t>
             </a:fld>
             <a:endParaRPr lang="ko-KR" altLang="en-US"/>
           </a:p>
@@ -2483,7 +2483,7 @@
           <a:p>
             <a:fld id="{527E487E-FB29-46CC-86DB-8016FC2560E5}" type="datetimeFigureOut">
               <a:rPr lang="ko-KR" altLang="en-US" smtClean="0"/>
-              <a:t>2024-10-13</a:t>
+              <a:t>2024-11-18</a:t>
             </a:fld>
             <a:endParaRPr lang="ko-KR" altLang="en-US"/>
           </a:p>
@@ -2703,7 +2703,7 @@
           <a:p>
             <a:fld id="{527E487E-FB29-46CC-86DB-8016FC2560E5}" type="datetimeFigureOut">
               <a:rPr lang="ko-KR" altLang="en-US" smtClean="0"/>
-              <a:t>2024-10-13</a:t>
+              <a:t>2024-11-18</a:t>
             </a:fld>
             <a:endParaRPr lang="ko-KR" altLang="en-US"/>
           </a:p>
@@ -3030,7 +3030,7 @@
           <a:p>
             <a:fld id="{527E487E-FB29-46CC-86DB-8016FC2560E5}" type="datetimeFigureOut">
               <a:rPr lang="ko-KR" altLang="en-US" smtClean="0"/>
-              <a:t>2024-10-13</a:t>
+              <a:t>2024-11-18</a:t>
             </a:fld>
             <a:endParaRPr lang="ko-KR" altLang="en-US"/>
           </a:p>
@@ -3318,7 +3318,7 @@
           <a:p>
             <a:fld id="{527E487E-FB29-46CC-86DB-8016FC2560E5}" type="datetimeFigureOut">
               <a:rPr lang="ko-KR" altLang="en-US" smtClean="0"/>
-              <a:t>2024-10-13</a:t>
+              <a:t>2024-11-18</a:t>
             </a:fld>
             <a:endParaRPr lang="ko-KR" altLang="en-US"/>
           </a:p>
@@ -3559,7 +3559,7 @@
           <a:p>
             <a:fld id="{527E487E-FB29-46CC-86DB-8016FC2560E5}" type="datetimeFigureOut">
               <a:rPr lang="ko-KR" altLang="en-US" smtClean="0"/>
-              <a:t>2024-10-13</a:t>
+              <a:t>2024-11-18</a:t>
             </a:fld>
             <a:endParaRPr lang="ko-KR" altLang="en-US"/>
           </a:p>
@@ -10064,13 +10064,13 @@
   <p:clrMapOvr>
     <a:masterClrMapping/>
   </p:clrMapOvr>
-  <mc:AlternateContent xmlns:mc="http://schemas.openxmlformats.org/markup-compatibility/2006">
-    <mc:Choice xmlns:p14="http://schemas.microsoft.com/office/powerpoint/2010/main" Requires="p14">
+  <mc:AlternateContent xmlns:mc="http://schemas.openxmlformats.org/markup-compatibility/2006" xmlns:p14="http://schemas.microsoft.com/office/powerpoint/2010/main">
+    <mc:Choice Requires="p14">
       <p:transition spd="med" p14:dur="700">
         <p:fade/>
       </p:transition>
     </mc:Choice>
-    <mc:Fallback>
+    <mc:Fallback xmlns="">
       <p:transition spd="med">
         <p:fade/>
       </p:transition>
